--- a/TransferParameterSpace.pptx
+++ b/TransferParameterSpace.pptx
@@ -11,6 +11,7 @@
     <p:sldId id="260" r:id="rId5"/>
     <p:sldId id="261" r:id="rId6"/>
     <p:sldId id="262" r:id="rId7"/>
+    <p:sldId id="263" r:id="rId8"/>
   </p:sldIdLst>
   <p:sldSz cx="12192000" cy="6858000"/>
   <p:notesSz cx="6858000" cy="9144000"/>
@@ -109,7 +110,65 @@
       </a:defRPr>
     </a:lvl9pPr>
   </p:defaultTextStyle>
+  <p:extLst>
+    <p:ext uri="{EFAFB233-063F-42B5-8137-9DF3F51BA10A}">
+      <p15:sldGuideLst xmlns:p15="http://schemas.microsoft.com/office/powerpoint/2012/main"/>
+    </p:ext>
+  </p:extLst>
 </p:presentation>
+</file>
+
+<file path=ppt/revisionInfo.xml><?xml version="1.0" encoding="utf-8"?>
+<p1510:revInfo xmlns:a="http://schemas.openxmlformats.org/drawingml/2006/main" xmlns:r="http://schemas.openxmlformats.org/officeDocument/2006/relationships" xmlns:p1510="http://schemas.microsoft.com/office/powerpoint/2015/10/main">
+  <p1510:revLst>
+    <p1510:client id="{84870F20-FCAA-417D-A14F-0588B173C9EE}" v="1" dt="2021-12-14T08:43:39.854"/>
+  </p1510:revLst>
+</p1510:revInfo>
+</file>
+
+<file path=ppt/changesInfos/changesInfo1.xml><?xml version="1.0" encoding="utf-8"?>
+<pc:chgInfo xmlns:a="http://schemas.openxmlformats.org/drawingml/2006/main" xmlns:r="http://schemas.openxmlformats.org/officeDocument/2006/relationships" xmlns:ac="http://schemas.microsoft.com/office/drawing/2013/main/command" xmlns:pc="http://schemas.microsoft.com/office/powerpoint/2013/main/command">
+  <pc:docChgLst>
+    <pc:chgData name="David Hardman" userId="25dc0ef6-7b36-4b30-a7ad-8f7f71a3f84a" providerId="ADAL" clId="{84870F20-FCAA-417D-A14F-0588B173C9EE}"/>
+    <pc:docChg chg="custSel addSld modSld">
+      <pc:chgData name="David Hardman" userId="25dc0ef6-7b36-4b30-a7ad-8f7f71a3f84a" providerId="ADAL" clId="{84870F20-FCAA-417D-A14F-0588B173C9EE}" dt="2021-12-14T08:43:39.853" v="3"/>
+      <pc:docMkLst>
+        <pc:docMk/>
+      </pc:docMkLst>
+      <pc:sldChg chg="addSp delSp new mod">
+        <pc:chgData name="David Hardman" userId="25dc0ef6-7b36-4b30-a7ad-8f7f71a3f84a" providerId="ADAL" clId="{84870F20-FCAA-417D-A14F-0588B173C9EE}" dt="2021-12-14T08:43:39.853" v="3"/>
+        <pc:sldMkLst>
+          <pc:docMk/>
+          <pc:sldMk cId="2789529018" sldId="263"/>
+        </pc:sldMkLst>
+        <pc:spChg chg="del">
+          <ac:chgData name="David Hardman" userId="25dc0ef6-7b36-4b30-a7ad-8f7f71a3f84a" providerId="ADAL" clId="{84870F20-FCAA-417D-A14F-0588B173C9EE}" dt="2021-12-14T08:43:37.895" v="2" actId="478"/>
+          <ac:spMkLst>
+            <pc:docMk/>
+            <pc:sldMk cId="2789529018" sldId="263"/>
+            <ac:spMk id="2" creationId="{A1608E76-047F-4E70-9E2A-BF44AB055327}"/>
+          </ac:spMkLst>
+        </pc:spChg>
+        <pc:spChg chg="del">
+          <ac:chgData name="David Hardman" userId="25dc0ef6-7b36-4b30-a7ad-8f7f71a3f84a" providerId="ADAL" clId="{84870F20-FCAA-417D-A14F-0588B173C9EE}" dt="2021-12-14T08:43:37.499" v="1" actId="478"/>
+          <ac:spMkLst>
+            <pc:docMk/>
+            <pc:sldMk cId="2789529018" sldId="263"/>
+            <ac:spMk id="3" creationId="{E2C0F49D-A066-4F55-B019-0E6DB0C06B7A}"/>
+          </ac:spMkLst>
+        </pc:spChg>
+        <pc:picChg chg="add">
+          <ac:chgData name="David Hardman" userId="25dc0ef6-7b36-4b30-a7ad-8f7f71a3f84a" providerId="ADAL" clId="{84870F20-FCAA-417D-A14F-0588B173C9EE}" dt="2021-12-14T08:43:39.853" v="3"/>
+          <ac:picMkLst>
+            <pc:docMk/>
+            <pc:sldMk cId="2789529018" sldId="263"/>
+            <ac:picMk id="4" creationId="{EB5D47E8-57D0-4E2C-823D-109A9335DDF7}"/>
+          </ac:picMkLst>
+        </pc:picChg>
+      </pc:sldChg>
+    </pc:docChg>
+  </pc:docChgLst>
+</pc:chgInfo>
 </file>
 
 <file path=ppt/slideLayouts/slideLayout1.xml><?xml version="1.0" encoding="utf-8"?>
@@ -261,7 +320,7 @@
           <a:p>
             <a:fld id="{A10ABE35-5CBC-4A81-A102-B41B40EA7D9E}" type="datetimeFigureOut">
               <a:rPr lang="en-GB" smtClean="0"/>
-              <a:t>09/12/2021</a:t>
+              <a:t>14/12/2021</a:t>
             </a:fld>
             <a:endParaRPr lang="en-GB"/>
           </a:p>
@@ -461,7 +520,7 @@
           <a:p>
             <a:fld id="{A10ABE35-5CBC-4A81-A102-B41B40EA7D9E}" type="datetimeFigureOut">
               <a:rPr lang="en-GB" smtClean="0"/>
-              <a:t>09/12/2021</a:t>
+              <a:t>14/12/2021</a:t>
             </a:fld>
             <a:endParaRPr lang="en-GB"/>
           </a:p>
@@ -671,7 +730,7 @@
           <a:p>
             <a:fld id="{A10ABE35-5CBC-4A81-A102-B41B40EA7D9E}" type="datetimeFigureOut">
               <a:rPr lang="en-GB" smtClean="0"/>
-              <a:t>09/12/2021</a:t>
+              <a:t>14/12/2021</a:t>
             </a:fld>
             <a:endParaRPr lang="en-GB"/>
           </a:p>
@@ -871,7 +930,7 @@
           <a:p>
             <a:fld id="{A10ABE35-5CBC-4A81-A102-B41B40EA7D9E}" type="datetimeFigureOut">
               <a:rPr lang="en-GB" smtClean="0"/>
-              <a:t>09/12/2021</a:t>
+              <a:t>14/12/2021</a:t>
             </a:fld>
             <a:endParaRPr lang="en-GB"/>
           </a:p>
@@ -1147,7 +1206,7 @@
           <a:p>
             <a:fld id="{A10ABE35-5CBC-4A81-A102-B41B40EA7D9E}" type="datetimeFigureOut">
               <a:rPr lang="en-GB" smtClean="0"/>
-              <a:t>09/12/2021</a:t>
+              <a:t>14/12/2021</a:t>
             </a:fld>
             <a:endParaRPr lang="en-GB"/>
           </a:p>
@@ -1415,7 +1474,7 @@
           <a:p>
             <a:fld id="{A10ABE35-5CBC-4A81-A102-B41B40EA7D9E}" type="datetimeFigureOut">
               <a:rPr lang="en-GB" smtClean="0"/>
-              <a:t>09/12/2021</a:t>
+              <a:t>14/12/2021</a:t>
             </a:fld>
             <a:endParaRPr lang="en-GB"/>
           </a:p>
@@ -1830,7 +1889,7 @@
           <a:p>
             <a:fld id="{A10ABE35-5CBC-4A81-A102-B41B40EA7D9E}" type="datetimeFigureOut">
               <a:rPr lang="en-GB" smtClean="0"/>
-              <a:t>09/12/2021</a:t>
+              <a:t>14/12/2021</a:t>
             </a:fld>
             <a:endParaRPr lang="en-GB"/>
           </a:p>
@@ -1972,7 +2031,7 @@
           <a:p>
             <a:fld id="{A10ABE35-5CBC-4A81-A102-B41B40EA7D9E}" type="datetimeFigureOut">
               <a:rPr lang="en-GB" smtClean="0"/>
-              <a:t>09/12/2021</a:t>
+              <a:t>14/12/2021</a:t>
             </a:fld>
             <a:endParaRPr lang="en-GB"/>
           </a:p>
@@ -2085,7 +2144,7 @@
           <a:p>
             <a:fld id="{A10ABE35-5CBC-4A81-A102-B41B40EA7D9E}" type="datetimeFigureOut">
               <a:rPr lang="en-GB" smtClean="0"/>
-              <a:t>09/12/2021</a:t>
+              <a:t>14/12/2021</a:t>
             </a:fld>
             <a:endParaRPr lang="en-GB"/>
           </a:p>
@@ -2398,7 +2457,7 @@
           <a:p>
             <a:fld id="{A10ABE35-5CBC-4A81-A102-B41B40EA7D9E}" type="datetimeFigureOut">
               <a:rPr lang="en-GB" smtClean="0"/>
-              <a:t>09/12/2021</a:t>
+              <a:t>14/12/2021</a:t>
             </a:fld>
             <a:endParaRPr lang="en-GB"/>
           </a:p>
@@ -2687,7 +2746,7 @@
           <a:p>
             <a:fld id="{A10ABE35-5CBC-4A81-A102-B41B40EA7D9E}" type="datetimeFigureOut">
               <a:rPr lang="en-GB" smtClean="0"/>
-              <a:t>09/12/2021</a:t>
+              <a:t>14/12/2021</a:t>
             </a:fld>
             <a:endParaRPr lang="en-GB"/>
           </a:p>
@@ -2930,7 +2989,7 @@
           <a:p>
             <a:fld id="{A10ABE35-5CBC-4A81-A102-B41B40EA7D9E}" type="datetimeFigureOut">
               <a:rPr lang="en-GB" smtClean="0"/>
-              <a:t>09/12/2021</a:t>
+              <a:t>14/12/2021</a:t>
             </a:fld>
             <a:endParaRPr lang="en-GB"/>
           </a:p>
@@ -5034,6 +5093,66 @@
 </p:sld>
 </file>
 
+<file path=ppt/slides/slide7.xml><?xml version="1.0" encoding="utf-8"?>
+<p:sld xmlns:a="http://schemas.openxmlformats.org/drawingml/2006/main" xmlns:r="http://schemas.openxmlformats.org/officeDocument/2006/relationships" xmlns:p="http://schemas.openxmlformats.org/presentationml/2006/main">
+  <p:cSld>
+    <p:spTree>
+      <p:nvGrpSpPr>
+        <p:cNvPr id="1" name=""/>
+        <p:cNvGrpSpPr/>
+        <p:nvPr/>
+      </p:nvGrpSpPr>
+      <p:grpSpPr>
+        <a:xfrm>
+          <a:off x="0" y="0"/>
+          <a:ext cx="0" cy="0"/>
+          <a:chOff x="0" y="0"/>
+          <a:chExt cx="0" cy="0"/>
+        </a:xfrm>
+      </p:grpSpPr>
+      <p:pic>
+        <p:nvPicPr>
+          <p:cNvPr id="4" name="Picture 3">
+            <a:extLst>
+              <a:ext uri="{FF2B5EF4-FFF2-40B4-BE49-F238E27FC236}">
+                <a16:creationId xmlns:a16="http://schemas.microsoft.com/office/drawing/2014/main" id="{EB5D47E8-57D0-4E2C-823D-109A9335DDF7}"/>
+              </a:ext>
+            </a:extLst>
+          </p:cNvPr>
+          <p:cNvPicPr>
+            <a:picLocks noChangeAspect="1"/>
+          </p:cNvPicPr>
+          <p:nvPr/>
+        </p:nvPicPr>
+        <p:blipFill>
+          <a:blip r:embed="rId2"/>
+          <a:stretch>
+            <a:fillRect/>
+          </a:stretch>
+        </p:blipFill>
+        <p:spPr>
+          <a:xfrm>
+            <a:off x="0" y="256032"/>
+            <a:ext cx="12192000" cy="6345936"/>
+          </a:xfrm>
+          <a:prstGeom prst="rect">
+            <a:avLst/>
+          </a:prstGeom>
+        </p:spPr>
+      </p:pic>
+    </p:spTree>
+    <p:extLst>
+      <p:ext uri="{BB962C8B-B14F-4D97-AF65-F5344CB8AC3E}">
+        <p14:creationId xmlns:p14="http://schemas.microsoft.com/office/powerpoint/2010/main" val="2789529018"/>
+      </p:ext>
+    </p:extLst>
+  </p:cSld>
+  <p:clrMapOvr>
+    <a:masterClrMapping/>
+  </p:clrMapOvr>
+</p:sld>
+</file>
+
 <file path=ppt/theme/theme1.xml><?xml version="1.0" encoding="utf-8"?>
 <a:theme xmlns:a="http://schemas.openxmlformats.org/drawingml/2006/main" name="Office Theme">
   <a:themeElements>
